--- a/maquette/Zoning.pptx
+++ b/maquette/Zoning.pptx
@@ -289,7 +289,7 @@
             <a:fld id="{93DB38A8-F769-4D70-8F9A-A6C51677009C}" type="datetimeFigureOut">
               <a:rPr lang="fr-FR" smtClean="0"/>
               <a:pPr/>
-              <a:t>06/09/2018</a:t>
+              <a:t>27/09/2018</a:t>
             </a:fld>
             <a:endParaRPr lang="fr-FR"/>
           </a:p>
@@ -456,7 +456,7 @@
             <a:fld id="{93DB38A8-F769-4D70-8F9A-A6C51677009C}" type="datetimeFigureOut">
               <a:rPr lang="fr-FR" smtClean="0"/>
               <a:pPr/>
-              <a:t>06/09/2018</a:t>
+              <a:t>27/09/2018</a:t>
             </a:fld>
             <a:endParaRPr lang="fr-FR"/>
           </a:p>
@@ -633,7 +633,7 @@
             <a:fld id="{93DB38A8-F769-4D70-8F9A-A6C51677009C}" type="datetimeFigureOut">
               <a:rPr lang="fr-FR" smtClean="0"/>
               <a:pPr/>
-              <a:t>06/09/2018</a:t>
+              <a:t>27/09/2018</a:t>
             </a:fld>
             <a:endParaRPr lang="fr-FR"/>
           </a:p>
@@ -800,7 +800,7 @@
             <a:fld id="{93DB38A8-F769-4D70-8F9A-A6C51677009C}" type="datetimeFigureOut">
               <a:rPr lang="fr-FR" smtClean="0"/>
               <a:pPr/>
-              <a:t>06/09/2018</a:t>
+              <a:t>27/09/2018</a:t>
             </a:fld>
             <a:endParaRPr lang="fr-FR"/>
           </a:p>
@@ -1043,7 +1043,7 @@
             <a:fld id="{93DB38A8-F769-4D70-8F9A-A6C51677009C}" type="datetimeFigureOut">
               <a:rPr lang="fr-FR" smtClean="0"/>
               <a:pPr/>
-              <a:t>06/09/2018</a:t>
+              <a:t>27/09/2018</a:t>
             </a:fld>
             <a:endParaRPr lang="fr-FR"/>
           </a:p>
@@ -1328,7 +1328,7 @@
             <a:fld id="{93DB38A8-F769-4D70-8F9A-A6C51677009C}" type="datetimeFigureOut">
               <a:rPr lang="fr-FR" smtClean="0"/>
               <a:pPr/>
-              <a:t>06/09/2018</a:t>
+              <a:t>27/09/2018</a:t>
             </a:fld>
             <a:endParaRPr lang="fr-FR"/>
           </a:p>
@@ -1747,7 +1747,7 @@
             <a:fld id="{93DB38A8-F769-4D70-8F9A-A6C51677009C}" type="datetimeFigureOut">
               <a:rPr lang="fr-FR" smtClean="0"/>
               <a:pPr/>
-              <a:t>06/09/2018</a:t>
+              <a:t>27/09/2018</a:t>
             </a:fld>
             <a:endParaRPr lang="fr-FR"/>
           </a:p>
@@ -1862,7 +1862,7 @@
             <a:fld id="{93DB38A8-F769-4D70-8F9A-A6C51677009C}" type="datetimeFigureOut">
               <a:rPr lang="fr-FR" smtClean="0"/>
               <a:pPr/>
-              <a:t>06/09/2018</a:t>
+              <a:t>27/09/2018</a:t>
             </a:fld>
             <a:endParaRPr lang="fr-FR"/>
           </a:p>
@@ -1954,7 +1954,7 @@
             <a:fld id="{93DB38A8-F769-4D70-8F9A-A6C51677009C}" type="datetimeFigureOut">
               <a:rPr lang="fr-FR" smtClean="0"/>
               <a:pPr/>
-              <a:t>06/09/2018</a:t>
+              <a:t>27/09/2018</a:t>
             </a:fld>
             <a:endParaRPr lang="fr-FR"/>
           </a:p>
@@ -2228,7 +2228,7 @@
             <a:fld id="{93DB38A8-F769-4D70-8F9A-A6C51677009C}" type="datetimeFigureOut">
               <a:rPr lang="fr-FR" smtClean="0"/>
               <a:pPr/>
-              <a:t>06/09/2018</a:t>
+              <a:t>27/09/2018</a:t>
             </a:fld>
             <a:endParaRPr lang="fr-FR"/>
           </a:p>
@@ -2478,7 +2478,7 @@
             <a:fld id="{93DB38A8-F769-4D70-8F9A-A6C51677009C}" type="datetimeFigureOut">
               <a:rPr lang="fr-FR" smtClean="0"/>
               <a:pPr/>
-              <a:t>06/09/2018</a:t>
+              <a:t>27/09/2018</a:t>
             </a:fld>
             <a:endParaRPr lang="fr-FR"/>
           </a:p>
@@ -2688,7 +2688,7 @@
             <a:fld id="{93DB38A8-F769-4D70-8F9A-A6C51677009C}" type="datetimeFigureOut">
               <a:rPr lang="fr-FR" smtClean="0"/>
               <a:pPr/>
-              <a:t>06/09/2018</a:t>
+              <a:t>27/09/2018</a:t>
             </a:fld>
             <a:endParaRPr lang="fr-FR"/>
           </a:p>
@@ -3572,7 +3572,7 @@
         </p:nvGrpSpPr>
         <p:grpSpPr>
           <a:xfrm>
-            <a:off x="2108593" y="260648"/>
+            <a:off x="2180601" y="260648"/>
             <a:ext cx="1239271" cy="1872208"/>
             <a:chOff x="2699792" y="620688"/>
             <a:chExt cx="3615535" cy="5472608"/>
@@ -10646,9 +10646,9 @@
           <p:nvPr/>
         </p:nvCxnSpPr>
         <p:spPr>
-          <a:xfrm flipV="1">
-            <a:off x="1371139" y="1484784"/>
-            <a:ext cx="752589" cy="23645"/>
+          <a:xfrm>
+            <a:off x="1371139" y="1508429"/>
+            <a:ext cx="824597" cy="48363"/>
           </a:xfrm>
           <a:prstGeom prst="straightConnector1">
             <a:avLst/>
@@ -10686,8 +10686,8 @@
         </p:nvCxnSpPr>
         <p:spPr>
           <a:xfrm>
-            <a:off x="3298478" y="381242"/>
-            <a:ext cx="2209626" cy="14895"/>
+            <a:off x="3370486" y="381242"/>
+            <a:ext cx="2137618" cy="14895"/>
           </a:xfrm>
           <a:prstGeom prst="straightConnector1">
             <a:avLst/>
@@ -11086,12 +11086,12 @@
         </p:nvCxnSpPr>
         <p:spPr>
           <a:xfrm>
-            <a:off x="3169905" y="1297177"/>
-            <a:ext cx="177959" cy="1843759"/>
+            <a:off x="3241913" y="1297177"/>
+            <a:ext cx="105951" cy="1843759"/>
           </a:xfrm>
           <a:prstGeom prst="bentConnector3">
             <a:avLst>
-              <a:gd name="adj1" fmla="val 228457"/>
+              <a:gd name="adj1" fmla="val 315760"/>
             </a:avLst>
           </a:prstGeom>
           <a:ln w="28575">
@@ -11128,12 +11128,12 @@
         <p:spPr>
           <a:xfrm flipH="1">
             <a:off x="1295584" y="1628882"/>
-            <a:ext cx="1945754" cy="1224054"/>
+            <a:ext cx="2017762" cy="1224054"/>
           </a:xfrm>
           <a:prstGeom prst="bentConnector4">
             <a:avLst>
-              <a:gd name="adj1" fmla="val -11749"/>
-              <a:gd name="adj2" fmla="val 67720"/>
+              <a:gd name="adj1" fmla="val -11329"/>
+              <a:gd name="adj2" fmla="val 52396"/>
             </a:avLst>
           </a:prstGeom>
           <a:ln w="28575">
@@ -11158,6 +11158,96 @@
           </a:fontRef>
         </p:style>
       </p:cxnSp>
+      <p:sp>
+        <p:nvSpPr>
+          <p:cNvPr id="223" name="ZoneTexte 222"/>
+          <p:cNvSpPr txBox="1"/>
+          <p:nvPr/>
+        </p:nvSpPr>
+        <p:spPr>
+          <a:xfrm>
+            <a:off x="1475656" y="1316668"/>
+            <a:ext cx="720080" cy="600164"/>
+          </a:xfrm>
+          <a:prstGeom prst="rect">
+            <a:avLst/>
+          </a:prstGeom>
+          <a:noFill/>
+        </p:spPr>
+        <p:txBody>
+          <a:bodyPr wrap="square" rtlCol="0">
+            <a:spAutoFit/>
+          </a:bodyPr>
+          <a:lstStyle/>
+          <a:p>
+            <a:r>
+              <a:rPr lang="fr-FR" sz="1100" dirty="0" smtClean="0"/>
+              <a:t>Direction page d’accueil</a:t>
+            </a:r>
+            <a:endParaRPr lang="fr-FR" sz="1100" dirty="0"/>
+          </a:p>
+        </p:txBody>
+      </p:sp>
+      <p:sp>
+        <p:nvSpPr>
+          <p:cNvPr id="224" name="ZoneTexte 223"/>
+          <p:cNvSpPr txBox="1"/>
+          <p:nvPr/>
+        </p:nvSpPr>
+        <p:spPr>
+          <a:xfrm>
+            <a:off x="1547664" y="2231286"/>
+            <a:ext cx="1800200" cy="261610"/>
+          </a:xfrm>
+          <a:prstGeom prst="rect">
+            <a:avLst/>
+          </a:prstGeom>
+          <a:noFill/>
+        </p:spPr>
+        <p:txBody>
+          <a:bodyPr wrap="square" rtlCol="0">
+            <a:spAutoFit/>
+          </a:bodyPr>
+          <a:lstStyle/>
+          <a:p>
+            <a:r>
+              <a:rPr lang="fr-FR" sz="1100" dirty="0" smtClean="0"/>
+              <a:t>Ajouter un montant</a:t>
+            </a:r>
+            <a:endParaRPr lang="fr-FR" sz="1100" dirty="0"/>
+          </a:p>
+        </p:txBody>
+      </p:sp>
+      <p:sp>
+        <p:nvSpPr>
+          <p:cNvPr id="226" name="ZoneTexte 225"/>
+          <p:cNvSpPr txBox="1"/>
+          <p:nvPr/>
+        </p:nvSpPr>
+        <p:spPr>
+          <a:xfrm>
+            <a:off x="2267744" y="2564904"/>
+            <a:ext cx="1512168" cy="261610"/>
+          </a:xfrm>
+          <a:prstGeom prst="rect">
+            <a:avLst/>
+          </a:prstGeom>
+          <a:noFill/>
+        </p:spPr>
+        <p:txBody>
+          <a:bodyPr wrap="square" rtlCol="0">
+            <a:spAutoFit/>
+          </a:bodyPr>
+          <a:lstStyle/>
+          <a:p>
+            <a:r>
+              <a:rPr lang="fr-FR" sz="1100" dirty="0" smtClean="0"/>
+              <a:t>Supprimer un montant</a:t>
+            </a:r>
+            <a:endParaRPr lang="fr-FR" sz="1100" dirty="0"/>
+          </a:p>
+        </p:txBody>
+      </p:sp>
     </p:spTree>
   </p:cSld>
   <p:clrMapOvr>
